--- a/PS_SN_Agent.pptx
+++ b/PS_SN_Agent.pptx
@@ -2977,7 +2977,7 @@
         </p:nvSpPr>
         <p:spPr>
           <a:xfrm>
-            <a:off x="2448878" y="1554481"/>
+            <a:off x="2468903" y="856569"/>
             <a:ext cx="1192097" cy="751032"/>
           </a:xfrm>
           <a:prstGeom prst="rect">
@@ -3032,7 +3032,7 @@
         </p:nvSpPr>
         <p:spPr>
           <a:xfrm>
-            <a:off x="3641072" y="2049496"/>
+            <a:off x="3661097" y="1351584"/>
             <a:ext cx="108066" cy="257694"/>
           </a:xfrm>
           <a:prstGeom prst="rect">
@@ -3072,7 +3072,7 @@
         </p:nvSpPr>
         <p:spPr>
           <a:xfrm>
-            <a:off x="3291087" y="2299576"/>
+            <a:off x="3311112" y="1601664"/>
             <a:ext cx="800219" cy="230832"/>
           </a:xfrm>
           <a:prstGeom prst="rect">
@@ -3102,7 +3102,7 @@
         </p:nvSpPr>
         <p:spPr>
           <a:xfrm>
-            <a:off x="2448878" y="2654630"/>
+            <a:off x="2461218" y="1989486"/>
             <a:ext cx="1192095" cy="751032"/>
           </a:xfrm>
           <a:prstGeom prst="rect">
@@ -3157,7 +3157,7 @@
         </p:nvSpPr>
         <p:spPr>
           <a:xfrm>
-            <a:off x="3641978" y="3148595"/>
+            <a:off x="3654318" y="2483451"/>
             <a:ext cx="108066" cy="257694"/>
           </a:xfrm>
           <a:prstGeom prst="rect">
@@ -3197,7 +3197,7 @@
         </p:nvSpPr>
         <p:spPr>
           <a:xfrm>
-            <a:off x="3298805" y="3405801"/>
+            <a:off x="3311145" y="2740657"/>
             <a:ext cx="800219" cy="230832"/>
           </a:xfrm>
           <a:prstGeom prst="rect">
@@ -3227,7 +3227,7 @@
         </p:nvSpPr>
         <p:spPr>
           <a:xfrm>
-            <a:off x="2448872" y="3750015"/>
+            <a:off x="2448872" y="3093314"/>
             <a:ext cx="1192095" cy="751032"/>
           </a:xfrm>
           <a:prstGeom prst="rect">
@@ -3282,7 +3282,7 @@
         </p:nvSpPr>
         <p:spPr>
           <a:xfrm>
-            <a:off x="3641675" y="4242126"/>
+            <a:off x="3641675" y="3585425"/>
             <a:ext cx="108066" cy="257694"/>
           </a:xfrm>
           <a:prstGeom prst="rect">
@@ -3322,7 +3322,7 @@
         </p:nvSpPr>
         <p:spPr>
           <a:xfrm>
-            <a:off x="3291087" y="4502895"/>
+            <a:off x="3291087" y="3846194"/>
             <a:ext cx="800219" cy="230832"/>
           </a:xfrm>
           <a:prstGeom prst="rect">
@@ -3352,7 +3352,7 @@
         </p:nvSpPr>
         <p:spPr>
           <a:xfrm>
-            <a:off x="5640922" y="2363550"/>
+            <a:off x="5640922" y="1706849"/>
             <a:ext cx="946150" cy="2882900"/>
           </a:xfrm>
           <a:prstGeom prst="rect">
@@ -3396,7 +3396,7 @@
         </p:nvSpPr>
         <p:spPr>
           <a:xfrm>
-            <a:off x="5639756" y="4991390"/>
+            <a:off x="5639756" y="4334689"/>
             <a:ext cx="108066" cy="257694"/>
           </a:xfrm>
           <a:prstGeom prst="rect">
@@ -3439,8 +3439,8 @@
         </p:nvCxnSpPr>
         <p:spPr>
           <a:xfrm>
-            <a:off x="3639908" y="1684540"/>
-            <a:ext cx="1891782" cy="811202"/>
+            <a:off x="3659933" y="986628"/>
+            <a:ext cx="1871757" cy="852413"/>
           </a:xfrm>
           <a:prstGeom prst="straightConnector1">
             <a:avLst/>
@@ -3472,7 +3472,7 @@
         </p:nvSpPr>
         <p:spPr>
           <a:xfrm>
-            <a:off x="5531690" y="2366895"/>
+            <a:off x="5531690" y="1710194"/>
             <a:ext cx="108066" cy="257694"/>
           </a:xfrm>
           <a:prstGeom prst="rect">
@@ -3515,8 +3515,8 @@
         </p:nvCxnSpPr>
         <p:spPr>
           <a:xfrm flipV="1">
-            <a:off x="3639908" y="2495742"/>
-            <a:ext cx="1891782" cy="286020"/>
+            <a:off x="3652248" y="1839041"/>
+            <a:ext cx="1879442" cy="277577"/>
           </a:xfrm>
           <a:prstGeom prst="straightConnector1">
             <a:avLst/>
@@ -3551,7 +3551,7 @@
         </p:nvCxnSpPr>
         <p:spPr>
           <a:xfrm flipV="1">
-            <a:off x="3641675" y="2495742"/>
+            <a:off x="3641675" y="1839041"/>
             <a:ext cx="1890015" cy="1383114"/>
           </a:xfrm>
           <a:prstGeom prst="straightConnector1">
@@ -3584,7 +3584,7 @@
         </p:nvSpPr>
         <p:spPr>
           <a:xfrm>
-            <a:off x="5215216" y="2156210"/>
+            <a:off x="5215216" y="1499509"/>
             <a:ext cx="736099" cy="230832"/>
           </a:xfrm>
           <a:prstGeom prst="rect">
@@ -3614,7 +3614,7 @@
         </p:nvSpPr>
         <p:spPr>
           <a:xfrm>
-            <a:off x="6479006" y="2360225"/>
+            <a:off x="6479006" y="1703524"/>
             <a:ext cx="108066" cy="257694"/>
           </a:xfrm>
           <a:prstGeom prst="rect">
@@ -3654,7 +3654,7 @@
         </p:nvSpPr>
         <p:spPr>
           <a:xfrm>
-            <a:off x="8549611" y="1554481"/>
+            <a:off x="8549611" y="897780"/>
             <a:ext cx="1477962" cy="751032"/>
           </a:xfrm>
           <a:prstGeom prst="rect">
@@ -3712,7 +3712,7 @@
         </p:nvSpPr>
         <p:spPr>
           <a:xfrm>
-            <a:off x="8441545" y="1555635"/>
+            <a:off x="8441545" y="898934"/>
             <a:ext cx="108066" cy="257694"/>
           </a:xfrm>
           <a:prstGeom prst="rect">
@@ -3752,7 +3752,7 @@
         </p:nvSpPr>
         <p:spPr>
           <a:xfrm>
-            <a:off x="8127529" y="1322422"/>
+            <a:off x="8127529" y="665721"/>
             <a:ext cx="736099" cy="230832"/>
           </a:xfrm>
           <a:prstGeom prst="rect">
@@ -3782,7 +3782,7 @@
         </p:nvSpPr>
         <p:spPr>
           <a:xfrm>
-            <a:off x="2933992" y="4842292"/>
+            <a:off x="2902804" y="5365643"/>
             <a:ext cx="615553" cy="635112"/>
           </a:xfrm>
           <a:prstGeom prst="rect">
@@ -3811,7 +3811,7 @@
         </p:nvSpPr>
         <p:spPr>
           <a:xfrm>
-            <a:off x="3533609" y="3750009"/>
+            <a:off x="3533609" y="3093308"/>
             <a:ext cx="108066" cy="257694"/>
           </a:xfrm>
           <a:prstGeom prst="rect">
@@ -3851,7 +3851,7 @@
         </p:nvSpPr>
         <p:spPr>
           <a:xfrm>
-            <a:off x="3531842" y="2652915"/>
+            <a:off x="3544182" y="1987771"/>
             <a:ext cx="108066" cy="257694"/>
           </a:xfrm>
           <a:prstGeom prst="rect">
@@ -3891,7 +3891,7 @@
         </p:nvSpPr>
         <p:spPr>
           <a:xfrm>
-            <a:off x="3531842" y="1555693"/>
+            <a:off x="3551867" y="857781"/>
             <a:ext cx="108066" cy="257694"/>
           </a:xfrm>
           <a:prstGeom prst="rect">
@@ -3931,7 +3931,7 @@
         </p:nvSpPr>
         <p:spPr>
           <a:xfrm>
-            <a:off x="8549611" y="2650534"/>
+            <a:off x="8549611" y="1993833"/>
             <a:ext cx="1477962" cy="751032"/>
           </a:xfrm>
           <a:prstGeom prst="rect">
@@ -3989,7 +3989,7 @@
         </p:nvSpPr>
         <p:spPr>
           <a:xfrm>
-            <a:off x="8441545" y="2649307"/>
+            <a:off x="8441545" y="1992606"/>
             <a:ext cx="108066" cy="257694"/>
           </a:xfrm>
           <a:prstGeom prst="rect">
@@ -4029,7 +4029,7 @@
         </p:nvSpPr>
         <p:spPr>
           <a:xfrm>
-            <a:off x="8127529" y="2418475"/>
+            <a:off x="8127529" y="1761774"/>
             <a:ext cx="736099" cy="230832"/>
           </a:xfrm>
           <a:prstGeom prst="rect">
@@ -4059,7 +4059,7 @@
         </p:nvSpPr>
         <p:spPr>
           <a:xfrm>
-            <a:off x="8549611" y="3748788"/>
+            <a:off x="8549611" y="3092087"/>
             <a:ext cx="1477962" cy="751032"/>
           </a:xfrm>
           <a:prstGeom prst="rect">
@@ -4117,7 +4117,7 @@
         </p:nvSpPr>
         <p:spPr>
           <a:xfrm>
-            <a:off x="8441545" y="3747561"/>
+            <a:off x="8441545" y="3090860"/>
             <a:ext cx="108066" cy="257694"/>
           </a:xfrm>
           <a:prstGeom prst="rect">
@@ -4157,7 +4157,7 @@
         </p:nvSpPr>
         <p:spPr>
           <a:xfrm>
-            <a:off x="8127529" y="3516729"/>
+            <a:off x="8127529" y="2860028"/>
             <a:ext cx="736099" cy="230832"/>
           </a:xfrm>
           <a:prstGeom prst="rect">
@@ -4190,7 +4190,7 @@
         </p:nvCxnSpPr>
         <p:spPr>
           <a:xfrm flipV="1">
-            <a:off x="6587072" y="1684482"/>
+            <a:off x="6587072" y="1027781"/>
             <a:ext cx="1854473" cy="804590"/>
           </a:xfrm>
           <a:prstGeom prst="straightConnector1">
@@ -4226,7 +4226,7 @@
         </p:nvCxnSpPr>
         <p:spPr>
           <a:xfrm>
-            <a:off x="6587072" y="2489072"/>
+            <a:off x="6587072" y="1832371"/>
             <a:ext cx="1854473" cy="289082"/>
           </a:xfrm>
           <a:prstGeom prst="straightConnector1">
@@ -4262,7 +4262,7 @@
         </p:nvCxnSpPr>
         <p:spPr>
           <a:xfrm>
-            <a:off x="6587072" y="2489072"/>
+            <a:off x="6587072" y="1832371"/>
             <a:ext cx="1854473" cy="1387336"/>
           </a:xfrm>
           <a:prstGeom prst="straightConnector1">
@@ -4295,7 +4295,7 @@
         </p:nvSpPr>
         <p:spPr>
           <a:xfrm>
-            <a:off x="6583725" y="4988756"/>
+            <a:off x="6583725" y="4332055"/>
             <a:ext cx="108066" cy="257694"/>
           </a:xfrm>
           <a:prstGeom prst="rect">
@@ -4335,7 +4335,7 @@
         </p:nvSpPr>
         <p:spPr>
           <a:xfrm>
-            <a:off x="6269708" y="5246450"/>
+            <a:off x="6269708" y="4589749"/>
             <a:ext cx="736099" cy="230832"/>
           </a:xfrm>
           <a:prstGeom prst="rect">
@@ -4365,7 +4365,7 @@
         </p:nvSpPr>
         <p:spPr>
           <a:xfrm>
-            <a:off x="9152329" y="4842292"/>
+            <a:off x="9210519" y="5215198"/>
             <a:ext cx="615553" cy="635112"/>
           </a:xfrm>
           <a:prstGeom prst="rect">
@@ -4394,7 +4394,7 @@
         </p:nvSpPr>
         <p:spPr>
           <a:xfrm>
-            <a:off x="8549611" y="2047125"/>
+            <a:off x="8549611" y="1390424"/>
             <a:ext cx="108066" cy="257694"/>
           </a:xfrm>
           <a:prstGeom prst="rect">
@@ -4434,7 +4434,7 @@
         </p:nvSpPr>
         <p:spPr>
           <a:xfrm>
-            <a:off x="8549611" y="3137833"/>
+            <a:off x="8549611" y="2481132"/>
             <a:ext cx="108066" cy="257694"/>
           </a:xfrm>
           <a:prstGeom prst="rect">
@@ -4474,7 +4474,7 @@
         </p:nvSpPr>
         <p:spPr>
           <a:xfrm>
-            <a:off x="8549611" y="4242126"/>
+            <a:off x="8549611" y="3585425"/>
             <a:ext cx="108066" cy="257694"/>
           </a:xfrm>
           <a:prstGeom prst="rect">
@@ -4517,7 +4517,7 @@
         </p:nvCxnSpPr>
         <p:spPr>
           <a:xfrm flipH="1">
-            <a:off x="6691791" y="2175972"/>
+            <a:off x="6691791" y="1519271"/>
             <a:ext cx="1857820" cy="2941631"/>
           </a:xfrm>
           <a:prstGeom prst="straightConnector1">
@@ -4553,7 +4553,7 @@
         </p:nvCxnSpPr>
         <p:spPr>
           <a:xfrm flipH="1">
-            <a:off x="6691791" y="3266680"/>
+            <a:off x="6691791" y="2609979"/>
             <a:ext cx="1857820" cy="1850923"/>
           </a:xfrm>
           <a:prstGeom prst="straightConnector1">
@@ -4589,7 +4589,7 @@
         </p:nvCxnSpPr>
         <p:spPr>
           <a:xfrm flipH="1">
-            <a:off x="6691791" y="4370973"/>
+            <a:off x="6691791" y="3714272"/>
             <a:ext cx="1857820" cy="746630"/>
           </a:xfrm>
           <a:prstGeom prst="straightConnector1">
@@ -4625,8 +4625,8 @@
         </p:nvCxnSpPr>
         <p:spPr>
           <a:xfrm flipH="1" flipV="1">
-            <a:off x="3749138" y="2178343"/>
-            <a:ext cx="1890618" cy="2941894"/>
+            <a:off x="3769163" y="1480431"/>
+            <a:ext cx="1870593" cy="2983105"/>
           </a:xfrm>
           <a:prstGeom prst="straightConnector1">
             <a:avLst/>
@@ -4661,8 +4661,8 @@
         </p:nvCxnSpPr>
         <p:spPr>
           <a:xfrm flipH="1" flipV="1">
-            <a:off x="3750044" y="3277442"/>
-            <a:ext cx="1889712" cy="1842795"/>
+            <a:off x="3762384" y="2612298"/>
+            <a:ext cx="1877372" cy="1851238"/>
           </a:xfrm>
           <a:prstGeom prst="straightConnector1">
             <a:avLst/>
@@ -4697,7 +4697,7 @@
         </p:nvCxnSpPr>
         <p:spPr>
           <a:xfrm flipH="1" flipV="1">
-            <a:off x="3749741" y="4370973"/>
+            <a:off x="3749741" y="3714272"/>
             <a:ext cx="1890015" cy="749264"/>
           </a:xfrm>
           <a:prstGeom prst="straightConnector1">
@@ -4730,7 +4730,7 @@
         </p:nvSpPr>
         <p:spPr>
           <a:xfrm>
-            <a:off x="4109190" y="1944243"/>
+            <a:off x="4109190" y="1287542"/>
             <a:ext cx="1170513" cy="369332"/>
           </a:xfrm>
           <a:prstGeom prst="rect">
@@ -4760,7 +4760,7 @@
         </p:nvSpPr>
         <p:spPr>
           <a:xfrm>
-            <a:off x="7160685" y="1899776"/>
+            <a:off x="7160685" y="1243075"/>
             <a:ext cx="707245" cy="369332"/>
           </a:xfrm>
           <a:prstGeom prst="rect">
@@ -4790,7 +4790,7 @@
         </p:nvSpPr>
         <p:spPr>
           <a:xfrm>
-            <a:off x="7220399" y="4559622"/>
+            <a:off x="7218113" y="4428215"/>
             <a:ext cx="800604" cy="369332"/>
           </a:xfrm>
           <a:prstGeom prst="rect">
@@ -4820,7 +4820,7 @@
         </p:nvSpPr>
         <p:spPr>
           <a:xfrm>
-            <a:off x="4185497" y="4531709"/>
+            <a:off x="4195509" y="4483112"/>
             <a:ext cx="800604" cy="369332"/>
           </a:xfrm>
           <a:prstGeom prst="rect">
@@ -4850,7 +4850,7 @@
         </p:nvSpPr>
         <p:spPr>
           <a:xfrm>
-            <a:off x="2217648" y="760429"/>
+            <a:off x="2217648" y="486111"/>
             <a:ext cx="5386647" cy="5752407"/>
           </a:xfrm>
           <a:prstGeom prst="rightBracket">
@@ -4881,6 +4881,483 @@
           </a:p>
         </p:txBody>
       </p:sp>
+      <p:sp>
+        <p:nvSpPr>
+          <p:cNvPr id="52" name="직사각형 51"/>
+          <p:cNvSpPr/>
+          <p:nvPr/>
+        </p:nvSpPr>
+        <p:spPr>
+          <a:xfrm>
+            <a:off x="2461218" y="4231486"/>
+            <a:ext cx="1192095" cy="751032"/>
+          </a:xfrm>
+          <a:prstGeom prst="rect">
+            <a:avLst/>
+          </a:prstGeom>
+        </p:spPr>
+        <p:style>
+          <a:lnRef idx="2">
+            <a:schemeClr val="accent1">
+              <a:shade val="50000"/>
+            </a:schemeClr>
+          </a:lnRef>
+          <a:fillRef idx="1">
+            <a:schemeClr val="accent1"/>
+          </a:fillRef>
+          <a:effectRef idx="0">
+            <a:schemeClr val="accent1"/>
+          </a:effectRef>
+          <a:fontRef idx="minor">
+            <a:schemeClr val="lt1"/>
+          </a:fontRef>
+        </p:style>
+        <p:txBody>
+          <a:bodyPr rtlCol="0" anchor="ctr"/>
+          <a:lstStyle/>
+          <a:p>
+            <a:pPr algn="ctr"/>
+            <a:r>
+              <a:rPr lang="en-US" altLang="ko-KR" dirty="0" err="1" smtClean="0"/>
+              <a:t>PSDraw</a:t>
+            </a:r>
+            <a:r>
+              <a:rPr lang="en-US" altLang="ko-KR" dirty="0"/>
+              <a:t/>
+            </a:r>
+            <a:br>
+              <a:rPr lang="en-US" altLang="ko-KR" dirty="0"/>
+            </a:br>
+            <a:r>
+              <a:rPr lang="en-US" altLang="ko-KR" dirty="0" smtClean="0"/>
+              <a:t>SN=123</a:t>
+            </a:r>
+            <a:endParaRPr lang="ko-KR" altLang="en-US" dirty="0"/>
+          </a:p>
+        </p:txBody>
+      </p:sp>
+      <p:sp>
+        <p:nvSpPr>
+          <p:cNvPr id="53" name="직사각형 52"/>
+          <p:cNvSpPr/>
+          <p:nvPr/>
+        </p:nvSpPr>
+        <p:spPr>
+          <a:xfrm>
+            <a:off x="3654021" y="4723597"/>
+            <a:ext cx="108066" cy="257694"/>
+          </a:xfrm>
+          <a:prstGeom prst="rect">
+            <a:avLst/>
+          </a:prstGeom>
+        </p:spPr>
+        <p:style>
+          <a:lnRef idx="2">
+            <a:schemeClr val="accent1">
+              <a:shade val="50000"/>
+            </a:schemeClr>
+          </a:lnRef>
+          <a:fillRef idx="1">
+            <a:schemeClr val="accent1"/>
+          </a:fillRef>
+          <a:effectRef idx="0">
+            <a:schemeClr val="accent1"/>
+          </a:effectRef>
+          <a:fontRef idx="minor">
+            <a:schemeClr val="lt1"/>
+          </a:fontRef>
+        </p:style>
+        <p:txBody>
+          <a:bodyPr rtlCol="0" anchor="ctr"/>
+          <a:lstStyle/>
+          <a:p>
+            <a:pPr algn="ctr"/>
+            <a:endParaRPr lang="ko-KR" altLang="en-US"/>
+          </a:p>
+        </p:txBody>
+      </p:sp>
+      <p:sp>
+        <p:nvSpPr>
+          <p:cNvPr id="54" name="TextBox 53"/>
+          <p:cNvSpPr txBox="1"/>
+          <p:nvPr/>
+        </p:nvSpPr>
+        <p:spPr>
+          <a:xfrm>
+            <a:off x="3303433" y="4984366"/>
+            <a:ext cx="800219" cy="230832"/>
+          </a:xfrm>
+          <a:prstGeom prst="rect">
+            <a:avLst/>
+          </a:prstGeom>
+          <a:noFill/>
+        </p:spPr>
+        <p:txBody>
+          <a:bodyPr wrap="none" rtlCol="0">
+            <a:spAutoFit/>
+          </a:bodyPr>
+          <a:lstStyle/>
+          <a:p>
+            <a:r>
+              <a:rPr lang="en-US" altLang="ko-KR" sz="900" dirty="0" smtClean="0"/>
+              <a:t>Port=10123</a:t>
+            </a:r>
+            <a:endParaRPr lang="ko-KR" altLang="en-US" sz="900" dirty="0"/>
+          </a:p>
+        </p:txBody>
+      </p:sp>
+      <p:sp>
+        <p:nvSpPr>
+          <p:cNvPr id="55" name="직사각형 54"/>
+          <p:cNvSpPr/>
+          <p:nvPr/>
+        </p:nvSpPr>
+        <p:spPr>
+          <a:xfrm>
+            <a:off x="3545955" y="4231480"/>
+            <a:ext cx="108066" cy="257694"/>
+          </a:xfrm>
+          <a:prstGeom prst="rect">
+            <a:avLst/>
+          </a:prstGeom>
+        </p:spPr>
+        <p:style>
+          <a:lnRef idx="2">
+            <a:schemeClr val="accent1">
+              <a:shade val="50000"/>
+            </a:schemeClr>
+          </a:lnRef>
+          <a:fillRef idx="1">
+            <a:schemeClr val="accent1"/>
+          </a:fillRef>
+          <a:effectRef idx="0">
+            <a:schemeClr val="accent1"/>
+          </a:effectRef>
+          <a:fontRef idx="minor">
+            <a:schemeClr val="lt1"/>
+          </a:fontRef>
+        </p:style>
+        <p:txBody>
+          <a:bodyPr rtlCol="0" anchor="ctr"/>
+          <a:lstStyle/>
+          <a:p>
+            <a:pPr algn="ctr"/>
+            <a:endParaRPr lang="ko-KR" altLang="en-US"/>
+          </a:p>
+        </p:txBody>
+      </p:sp>
+      <p:cxnSp>
+        <p:nvCxnSpPr>
+          <p:cNvPr id="22" name="직선 화살표 연결선 21"/>
+          <p:cNvCxnSpPr>
+            <a:stCxn id="55" idx="3"/>
+            <a:endCxn id="18" idx="1"/>
+          </p:cNvCxnSpPr>
+          <p:nvPr/>
+        </p:nvCxnSpPr>
+        <p:spPr>
+          <a:xfrm flipV="1">
+            <a:off x="3654021" y="1839041"/>
+            <a:ext cx="1877669" cy="2521286"/>
+          </a:xfrm>
+          <a:prstGeom prst="straightConnector1">
+            <a:avLst/>
+          </a:prstGeom>
+          <a:ln>
+            <a:tailEnd type="triangle"/>
+          </a:ln>
+        </p:spPr>
+        <p:style>
+          <a:lnRef idx="1">
+            <a:schemeClr val="accent1"/>
+          </a:lnRef>
+          <a:fillRef idx="0">
+            <a:schemeClr val="accent1"/>
+          </a:fillRef>
+          <a:effectRef idx="0">
+            <a:schemeClr val="accent1"/>
+          </a:effectRef>
+          <a:fontRef idx="minor">
+            <a:schemeClr val="tx1"/>
+          </a:fontRef>
+        </p:style>
+      </p:cxnSp>
+      <p:cxnSp>
+        <p:nvCxnSpPr>
+          <p:cNvPr id="25" name="직선 화살표 연결선 24"/>
+          <p:cNvCxnSpPr>
+            <a:stCxn id="14" idx="1"/>
+            <a:endCxn id="53" idx="3"/>
+          </p:cNvCxnSpPr>
+          <p:nvPr/>
+        </p:nvCxnSpPr>
+        <p:spPr>
+          <a:xfrm flipH="1">
+            <a:off x="3762087" y="4463536"/>
+            <a:ext cx="1877669" cy="388908"/>
+          </a:xfrm>
+          <a:prstGeom prst="straightConnector1">
+            <a:avLst/>
+          </a:prstGeom>
+          <a:ln>
+            <a:tailEnd type="triangle"/>
+          </a:ln>
+        </p:spPr>
+        <p:style>
+          <a:lnRef idx="1">
+            <a:schemeClr val="accent1"/>
+          </a:lnRef>
+          <a:fillRef idx="0">
+            <a:schemeClr val="accent1"/>
+          </a:fillRef>
+          <a:effectRef idx="0">
+            <a:schemeClr val="accent1"/>
+          </a:effectRef>
+          <a:fontRef idx="minor">
+            <a:schemeClr val="tx1"/>
+          </a:fontRef>
+        </p:style>
+      </p:cxnSp>
+      <p:sp>
+        <p:nvSpPr>
+          <p:cNvPr id="66" name="직사각형 65"/>
+          <p:cNvSpPr/>
+          <p:nvPr/>
+        </p:nvSpPr>
+        <p:spPr>
+          <a:xfrm>
+            <a:off x="8547098" y="4175544"/>
+            <a:ext cx="1477962" cy="751032"/>
+          </a:xfrm>
+          <a:prstGeom prst="rect">
+            <a:avLst/>
+          </a:prstGeom>
+        </p:spPr>
+        <p:style>
+          <a:lnRef idx="2">
+            <a:schemeClr val="accent1">
+              <a:shade val="50000"/>
+            </a:schemeClr>
+          </a:lnRef>
+          <a:fillRef idx="1">
+            <a:schemeClr val="accent1"/>
+          </a:fillRef>
+          <a:effectRef idx="0">
+            <a:schemeClr val="accent1"/>
+          </a:effectRef>
+          <a:fontRef idx="minor">
+            <a:schemeClr val="lt1"/>
+          </a:fontRef>
+        </p:style>
+        <p:txBody>
+          <a:bodyPr rtlCol="0" anchor="ctr"/>
+          <a:lstStyle/>
+          <a:p>
+            <a:pPr algn="ctr"/>
+            <a:r>
+              <a:rPr lang="en-US" altLang="ko-KR" sz="1600" dirty="0" smtClean="0"/>
+              <a:t>PS device</a:t>
+            </a:r>
+          </a:p>
+          <a:p>
+            <a:pPr algn="ctr"/>
+            <a:r>
+              <a:rPr lang="en-US" altLang="ko-KR" sz="1600" dirty="0" smtClean="0"/>
+              <a:t>SN=123</a:t>
+            </a:r>
+            <a:endParaRPr lang="en-US" altLang="ko-KR" sz="1600" dirty="0" smtClean="0"/>
+          </a:p>
+          <a:p>
+            <a:pPr algn="ctr"/>
+            <a:r>
+              <a:rPr lang="en-US" altLang="ko-KR" sz="1600" dirty="0" smtClean="0"/>
+              <a:t>IP=10.0.1.23</a:t>
+            </a:r>
+            <a:endParaRPr lang="ko-KR" altLang="en-US" sz="1600" dirty="0"/>
+          </a:p>
+        </p:txBody>
+      </p:sp>
+      <p:sp>
+        <p:nvSpPr>
+          <p:cNvPr id="68" name="직사각형 67"/>
+          <p:cNvSpPr/>
+          <p:nvPr/>
+        </p:nvSpPr>
+        <p:spPr>
+          <a:xfrm>
+            <a:off x="8439032" y="4174317"/>
+            <a:ext cx="108066" cy="257694"/>
+          </a:xfrm>
+          <a:prstGeom prst="rect">
+            <a:avLst/>
+          </a:prstGeom>
+        </p:spPr>
+        <p:style>
+          <a:lnRef idx="2">
+            <a:schemeClr val="accent1">
+              <a:shade val="50000"/>
+            </a:schemeClr>
+          </a:lnRef>
+          <a:fillRef idx="1">
+            <a:schemeClr val="accent1"/>
+          </a:fillRef>
+          <a:effectRef idx="0">
+            <a:schemeClr val="accent1"/>
+          </a:effectRef>
+          <a:fontRef idx="minor">
+            <a:schemeClr val="lt1"/>
+          </a:fontRef>
+        </p:style>
+        <p:txBody>
+          <a:bodyPr rtlCol="0" anchor="ctr"/>
+          <a:lstStyle/>
+          <a:p>
+            <a:pPr algn="ctr"/>
+            <a:endParaRPr lang="ko-KR" altLang="en-US"/>
+          </a:p>
+        </p:txBody>
+      </p:sp>
+      <p:sp>
+        <p:nvSpPr>
+          <p:cNvPr id="70" name="TextBox 69"/>
+          <p:cNvSpPr txBox="1"/>
+          <p:nvPr/>
+        </p:nvSpPr>
+        <p:spPr>
+          <a:xfrm>
+            <a:off x="8125016" y="3943485"/>
+            <a:ext cx="736099" cy="230832"/>
+          </a:xfrm>
+          <a:prstGeom prst="rect">
+            <a:avLst/>
+          </a:prstGeom>
+          <a:noFill/>
+        </p:spPr>
+        <p:txBody>
+          <a:bodyPr wrap="none" rtlCol="0">
+            <a:spAutoFit/>
+          </a:bodyPr>
+          <a:lstStyle/>
+          <a:p>
+            <a:r>
+              <a:rPr lang="en-US" altLang="ko-KR" sz="900" dirty="0" smtClean="0"/>
+              <a:t>Port=1024</a:t>
+            </a:r>
+            <a:endParaRPr lang="ko-KR" altLang="en-US" sz="900" dirty="0"/>
+          </a:p>
+        </p:txBody>
+      </p:sp>
+      <p:sp>
+        <p:nvSpPr>
+          <p:cNvPr id="71" name="직사각형 70"/>
+          <p:cNvSpPr/>
+          <p:nvPr/>
+        </p:nvSpPr>
+        <p:spPr>
+          <a:xfrm>
+            <a:off x="8547098" y="4668882"/>
+            <a:ext cx="108066" cy="257694"/>
+          </a:xfrm>
+          <a:prstGeom prst="rect">
+            <a:avLst/>
+          </a:prstGeom>
+        </p:spPr>
+        <p:style>
+          <a:lnRef idx="2">
+            <a:schemeClr val="accent1">
+              <a:shade val="50000"/>
+            </a:schemeClr>
+          </a:lnRef>
+          <a:fillRef idx="1">
+            <a:schemeClr val="accent1"/>
+          </a:fillRef>
+          <a:effectRef idx="0">
+            <a:schemeClr val="accent1"/>
+          </a:effectRef>
+          <a:fontRef idx="minor">
+            <a:schemeClr val="lt1"/>
+          </a:fontRef>
+        </p:style>
+        <p:txBody>
+          <a:bodyPr rtlCol="0" anchor="ctr"/>
+          <a:lstStyle/>
+          <a:p>
+            <a:pPr algn="ctr"/>
+            <a:endParaRPr lang="ko-KR" altLang="en-US"/>
+          </a:p>
+        </p:txBody>
+      </p:sp>
+      <p:cxnSp>
+        <p:nvCxnSpPr>
+          <p:cNvPr id="28" name="직선 화살표 연결선 27"/>
+          <p:cNvCxnSpPr>
+            <a:endCxn id="68" idx="1"/>
+          </p:cNvCxnSpPr>
+          <p:nvPr/>
+        </p:nvCxnSpPr>
+        <p:spPr>
+          <a:xfrm>
+            <a:off x="6637757" y="1839041"/>
+            <a:ext cx="1801275" cy="2464123"/>
+          </a:xfrm>
+          <a:prstGeom prst="straightConnector1">
+            <a:avLst/>
+          </a:prstGeom>
+          <a:ln>
+            <a:tailEnd type="triangle"/>
+          </a:ln>
+        </p:spPr>
+        <p:style>
+          <a:lnRef idx="1">
+            <a:schemeClr val="accent1"/>
+          </a:lnRef>
+          <a:fillRef idx="0">
+            <a:schemeClr val="accent1"/>
+          </a:fillRef>
+          <a:effectRef idx="0">
+            <a:schemeClr val="accent1"/>
+          </a:effectRef>
+          <a:fontRef idx="minor">
+            <a:schemeClr val="tx1"/>
+          </a:fontRef>
+        </p:style>
+      </p:cxnSp>
+      <p:cxnSp>
+        <p:nvCxnSpPr>
+          <p:cNvPr id="31" name="직선 화살표 연결선 30"/>
+          <p:cNvCxnSpPr>
+            <a:stCxn id="71" idx="1"/>
+            <a:endCxn id="72" idx="3"/>
+          </p:cNvCxnSpPr>
+          <p:nvPr/>
+        </p:nvCxnSpPr>
+        <p:spPr>
+          <a:xfrm flipH="1" flipV="1">
+            <a:off x="6691791" y="4460902"/>
+            <a:ext cx="1855307" cy="336827"/>
+          </a:xfrm>
+          <a:prstGeom prst="straightConnector1">
+            <a:avLst/>
+          </a:prstGeom>
+          <a:ln>
+            <a:tailEnd type="triangle"/>
+          </a:ln>
+        </p:spPr>
+        <p:style>
+          <a:lnRef idx="1">
+            <a:schemeClr val="accent1"/>
+          </a:lnRef>
+          <a:fillRef idx="0">
+            <a:schemeClr val="accent1"/>
+          </a:fillRef>
+          <a:effectRef idx="0">
+            <a:schemeClr val="accent1"/>
+          </a:effectRef>
+          <a:fontRef idx="minor">
+            <a:schemeClr val="tx1"/>
+          </a:fontRef>
+        </p:style>
+      </p:cxnSp>
     </p:spTree>
     <p:extLst>
       <p:ext uri="{BB962C8B-B14F-4D97-AF65-F5344CB8AC3E}">
